--- a/PPT_0.2.pptx
+++ b/PPT_0.2.pptx
@@ -250,7 +250,7 @@
           <a:p>
             <a:fld id="{E7C4CD3D-B0DA-4C40-B2D8-01C9BA06E850}" type="datetimeFigureOut">
               <a:rPr lang="ko-KR" altLang="en-US" smtClean="0"/>
-              <a:t>2023-04-19</a:t>
+              <a:t>2023-04-20</a:t>
             </a:fld>
             <a:endParaRPr lang="ko-KR" altLang="en-US"/>
           </a:p>
@@ -420,7 +420,7 @@
           <a:p>
             <a:fld id="{E7C4CD3D-B0DA-4C40-B2D8-01C9BA06E850}" type="datetimeFigureOut">
               <a:rPr lang="ko-KR" altLang="en-US" smtClean="0"/>
-              <a:t>2023-04-19</a:t>
+              <a:t>2023-04-20</a:t>
             </a:fld>
             <a:endParaRPr lang="ko-KR" altLang="en-US"/>
           </a:p>
@@ -600,7 +600,7 @@
           <a:p>
             <a:fld id="{E7C4CD3D-B0DA-4C40-B2D8-01C9BA06E850}" type="datetimeFigureOut">
               <a:rPr lang="ko-KR" altLang="en-US" smtClean="0"/>
-              <a:t>2023-04-19</a:t>
+              <a:t>2023-04-20</a:t>
             </a:fld>
             <a:endParaRPr lang="ko-KR" altLang="en-US"/>
           </a:p>
@@ -770,7 +770,7 @@
           <a:p>
             <a:fld id="{E7C4CD3D-B0DA-4C40-B2D8-01C9BA06E850}" type="datetimeFigureOut">
               <a:rPr lang="ko-KR" altLang="en-US" smtClean="0"/>
-              <a:t>2023-04-19</a:t>
+              <a:t>2023-04-20</a:t>
             </a:fld>
             <a:endParaRPr lang="ko-KR" altLang="en-US"/>
           </a:p>
@@ -1016,7 +1016,7 @@
           <a:p>
             <a:fld id="{E7C4CD3D-B0DA-4C40-B2D8-01C9BA06E850}" type="datetimeFigureOut">
               <a:rPr lang="ko-KR" altLang="en-US" smtClean="0"/>
-              <a:t>2023-04-19</a:t>
+              <a:t>2023-04-20</a:t>
             </a:fld>
             <a:endParaRPr lang="ko-KR" altLang="en-US"/>
           </a:p>
@@ -1248,7 +1248,7 @@
           <a:p>
             <a:fld id="{E7C4CD3D-B0DA-4C40-B2D8-01C9BA06E850}" type="datetimeFigureOut">
               <a:rPr lang="ko-KR" altLang="en-US" smtClean="0"/>
-              <a:t>2023-04-19</a:t>
+              <a:t>2023-04-20</a:t>
             </a:fld>
             <a:endParaRPr lang="ko-KR" altLang="en-US"/>
           </a:p>
@@ -1615,7 +1615,7 @@
           <a:p>
             <a:fld id="{E7C4CD3D-B0DA-4C40-B2D8-01C9BA06E850}" type="datetimeFigureOut">
               <a:rPr lang="ko-KR" altLang="en-US" smtClean="0"/>
-              <a:t>2023-04-19</a:t>
+              <a:t>2023-04-20</a:t>
             </a:fld>
             <a:endParaRPr lang="ko-KR" altLang="en-US"/>
           </a:p>
@@ -1733,7 +1733,7 @@
           <a:p>
             <a:fld id="{E7C4CD3D-B0DA-4C40-B2D8-01C9BA06E850}" type="datetimeFigureOut">
               <a:rPr lang="ko-KR" altLang="en-US" smtClean="0"/>
-              <a:t>2023-04-19</a:t>
+              <a:t>2023-04-20</a:t>
             </a:fld>
             <a:endParaRPr lang="ko-KR" altLang="en-US"/>
           </a:p>
@@ -1828,7 +1828,7 @@
           <a:p>
             <a:fld id="{E7C4CD3D-B0DA-4C40-B2D8-01C9BA06E850}" type="datetimeFigureOut">
               <a:rPr lang="ko-KR" altLang="en-US" smtClean="0"/>
-              <a:t>2023-04-19</a:t>
+              <a:t>2023-04-20</a:t>
             </a:fld>
             <a:endParaRPr lang="ko-KR" altLang="en-US"/>
           </a:p>
@@ -2105,7 +2105,7 @@
           <a:p>
             <a:fld id="{E7C4CD3D-B0DA-4C40-B2D8-01C9BA06E850}" type="datetimeFigureOut">
               <a:rPr lang="ko-KR" altLang="en-US" smtClean="0"/>
-              <a:t>2023-04-19</a:t>
+              <a:t>2023-04-20</a:t>
             </a:fld>
             <a:endParaRPr lang="ko-KR" altLang="en-US"/>
           </a:p>
@@ -2358,7 +2358,7 @@
           <a:p>
             <a:fld id="{E7C4CD3D-B0DA-4C40-B2D8-01C9BA06E850}" type="datetimeFigureOut">
               <a:rPr lang="ko-KR" altLang="en-US" smtClean="0"/>
-              <a:t>2023-04-19</a:t>
+              <a:t>2023-04-20</a:t>
             </a:fld>
             <a:endParaRPr lang="ko-KR" altLang="en-US"/>
           </a:p>
@@ -2571,7 +2571,7 @@
           <a:p>
             <a:fld id="{E7C4CD3D-B0DA-4C40-B2D8-01C9BA06E850}" type="datetimeFigureOut">
               <a:rPr lang="ko-KR" altLang="en-US" smtClean="0"/>
-              <a:t>2023-04-19</a:t>
+              <a:t>2023-04-20</a:t>
             </a:fld>
             <a:endParaRPr lang="ko-KR" altLang="en-US"/>
           </a:p>
@@ -8743,13 +8743,197 @@
       </p:sp>
       <p:sp>
         <p:nvSpPr>
-          <p:cNvPr id="8" name="순서도: 데이터 7"/>
+          <p:cNvPr id="9" name="순서도: 처리 8"/>
           <p:cNvSpPr/>
           <p:nvPr/>
         </p:nvSpPr>
         <p:spPr>
           <a:xfrm>
-            <a:off x="7393996" y="1709129"/>
+            <a:off x="7476050" y="1824983"/>
+            <a:ext cx="955964" cy="432265"/>
+          </a:xfrm>
+          <a:prstGeom prst="flowChartProcess">
+            <a:avLst/>
+          </a:prstGeom>
+        </p:spPr>
+        <p:style>
+          <a:lnRef idx="2">
+            <a:schemeClr val="accent1">
+              <a:shade val="50000"/>
+            </a:schemeClr>
+          </a:lnRef>
+          <a:fillRef idx="1">
+            <a:schemeClr val="accent1"/>
+          </a:fillRef>
+          <a:effectRef idx="0">
+            <a:schemeClr val="accent1"/>
+          </a:effectRef>
+          <a:fontRef idx="minor">
+            <a:schemeClr val="lt1"/>
+          </a:fontRef>
+        </p:style>
+        <p:txBody>
+          <a:bodyPr rtlCol="0" anchor="ctr"/>
+          <a:lstStyle/>
+          <a:p>
+            <a:pPr algn="ctr"/>
+            <a:r>
+              <a:rPr lang="ko-KR" altLang="en-US" sz="1000" dirty="0" smtClean="0"/>
+              <a:t>예약날짜확인</a:t>
+            </a:r>
+            <a:endParaRPr lang="ko-KR" altLang="en-US" sz="1000" dirty="0"/>
+          </a:p>
+        </p:txBody>
+      </p:sp>
+      <p:sp>
+        <p:nvSpPr>
+          <p:cNvPr id="12" name="순서도: 처리 11"/>
+          <p:cNvSpPr/>
+          <p:nvPr/>
+        </p:nvSpPr>
+        <p:spPr>
+          <a:xfrm>
+            <a:off x="7476050" y="3310191"/>
+            <a:ext cx="955964" cy="432265"/>
+          </a:xfrm>
+          <a:prstGeom prst="flowChartProcess">
+            <a:avLst/>
+          </a:prstGeom>
+        </p:spPr>
+        <p:style>
+          <a:lnRef idx="2">
+            <a:schemeClr val="accent1">
+              <a:shade val="50000"/>
+            </a:schemeClr>
+          </a:lnRef>
+          <a:fillRef idx="1">
+            <a:schemeClr val="accent1"/>
+          </a:fillRef>
+          <a:effectRef idx="0">
+            <a:schemeClr val="accent1"/>
+          </a:effectRef>
+          <a:fontRef idx="minor">
+            <a:schemeClr val="lt1"/>
+          </a:fontRef>
+        </p:style>
+        <p:txBody>
+          <a:bodyPr rtlCol="0" anchor="ctr"/>
+          <a:lstStyle/>
+          <a:p>
+            <a:pPr algn="ctr"/>
+            <a:r>
+              <a:rPr lang="ko-KR" altLang="en-US" sz="1000" dirty="0" smtClean="0"/>
+              <a:t>예약</a:t>
+            </a:r>
+            <a:endParaRPr lang="ko-KR" altLang="en-US" sz="1000" dirty="0"/>
+          </a:p>
+        </p:txBody>
+      </p:sp>
+      <p:sp>
+        <p:nvSpPr>
+          <p:cNvPr id="13" name="순서도: 처리 12"/>
+          <p:cNvSpPr/>
+          <p:nvPr/>
+        </p:nvSpPr>
+        <p:spPr>
+          <a:xfrm>
+            <a:off x="8916923" y="2567587"/>
+            <a:ext cx="955964" cy="432265"/>
+          </a:xfrm>
+          <a:prstGeom prst="flowChartProcess">
+            <a:avLst/>
+          </a:prstGeom>
+        </p:spPr>
+        <p:style>
+          <a:lnRef idx="2">
+            <a:schemeClr val="accent1">
+              <a:shade val="50000"/>
+            </a:schemeClr>
+          </a:lnRef>
+          <a:fillRef idx="1">
+            <a:schemeClr val="accent1"/>
+          </a:fillRef>
+          <a:effectRef idx="0">
+            <a:schemeClr val="accent1"/>
+          </a:effectRef>
+          <a:fontRef idx="minor">
+            <a:schemeClr val="lt1"/>
+          </a:fontRef>
+        </p:style>
+        <p:txBody>
+          <a:bodyPr rtlCol="0" anchor="ctr"/>
+          <a:lstStyle/>
+          <a:p>
+            <a:pPr algn="ctr"/>
+            <a:r>
+              <a:rPr lang="ko-KR" altLang="en-US" sz="1000" dirty="0" err="1" smtClean="0"/>
+              <a:t>예약취소</a:t>
+            </a:r>
+            <a:endParaRPr lang="ko-KR" altLang="en-US" sz="1000" dirty="0"/>
+          </a:p>
+        </p:txBody>
+      </p:sp>
+      <p:sp>
+        <p:nvSpPr>
+          <p:cNvPr id="14" name="순서도: 판단 13"/>
+          <p:cNvSpPr/>
+          <p:nvPr/>
+        </p:nvSpPr>
+        <p:spPr>
+          <a:xfrm>
+            <a:off x="7449033" y="2487579"/>
+            <a:ext cx="1009997" cy="606829"/>
+          </a:xfrm>
+          <a:prstGeom prst="flowChartDecision">
+            <a:avLst/>
+          </a:prstGeom>
+        </p:spPr>
+        <p:style>
+          <a:lnRef idx="2">
+            <a:schemeClr val="accent1">
+              <a:shade val="50000"/>
+            </a:schemeClr>
+          </a:lnRef>
+          <a:fillRef idx="1">
+            <a:schemeClr val="accent1"/>
+          </a:fillRef>
+          <a:effectRef idx="0">
+            <a:schemeClr val="accent1"/>
+          </a:effectRef>
+          <a:fontRef idx="minor">
+            <a:schemeClr val="lt1"/>
+          </a:fontRef>
+        </p:style>
+        <p:txBody>
+          <a:bodyPr rtlCol="0" anchor="ctr"/>
+          <a:lstStyle/>
+          <a:p>
+            <a:pPr algn="ctr"/>
+            <a:r>
+              <a:rPr lang="ko-KR" altLang="en-US" sz="1000" dirty="0" smtClean="0"/>
+              <a:t>예약</a:t>
+            </a:r>
+            <a:endParaRPr lang="en-US" altLang="ko-KR" sz="1000" dirty="0" smtClean="0"/>
+          </a:p>
+          <a:p>
+            <a:pPr algn="ctr"/>
+            <a:r>
+              <a:rPr lang="ko-KR" altLang="en-US" sz="1000" dirty="0" smtClean="0"/>
+              <a:t>여부</a:t>
+            </a:r>
+            <a:endParaRPr lang="ko-KR" altLang="en-US" sz="1000" dirty="0"/>
+          </a:p>
+        </p:txBody>
+      </p:sp>
+      <p:sp>
+        <p:nvSpPr>
+          <p:cNvPr id="17" name="순서도: 데이터 16"/>
+          <p:cNvSpPr/>
+          <p:nvPr/>
+        </p:nvSpPr>
+        <p:spPr>
+          <a:xfrm>
+            <a:off x="5850551" y="3353752"/>
             <a:ext cx="1088968" cy="349134"/>
           </a:xfrm>
           <a:prstGeom prst="flowChartInputOutput">
@@ -8778,12 +8962,16 @@
           <a:p>
             <a:pPr algn="ctr"/>
             <a:r>
-              <a:rPr lang="en-US" altLang="ko-KR" sz="1000" dirty="0" smtClean="0"/>
-              <a:t>Room </a:t>
+              <a:rPr lang="ko-KR" altLang="en-US" sz="1000" dirty="0" smtClean="0"/>
+              <a:t>결제</a:t>
             </a:r>
+            <a:endParaRPr lang="en-US" altLang="ko-KR" sz="1000" dirty="0" smtClean="0"/>
+          </a:p>
+          <a:p>
+            <a:pPr algn="ctr"/>
             <a:r>
               <a:rPr lang="ko-KR" altLang="en-US" sz="1000" dirty="0" smtClean="0"/>
-              <a:t>검색</a:t>
+              <a:t>화면</a:t>
             </a:r>
             <a:endParaRPr lang="ko-KR" altLang="en-US" sz="1000" dirty="0"/>
           </a:p>
@@ -8791,13 +8979,13 @@
       </p:sp>
       <p:sp>
         <p:nvSpPr>
-          <p:cNvPr id="9" name="순서도: 처리 8"/>
+          <p:cNvPr id="18" name="순서도: 처리 17"/>
           <p:cNvSpPr/>
           <p:nvPr/>
         </p:nvSpPr>
         <p:spPr>
           <a:xfrm>
-            <a:off x="7460498" y="2368602"/>
+            <a:off x="5917053" y="4014441"/>
             <a:ext cx="955964" cy="432265"/>
           </a:xfrm>
           <a:prstGeom prst="flowChartProcess">
@@ -8826,20 +9014,16 @@
           <a:p>
             <a:pPr algn="ctr"/>
             <a:r>
-              <a:rPr lang="ko-KR" altLang="en-US" sz="1000" dirty="0" err="1" smtClean="0"/>
-              <a:t>제품상세</a:t>
+              <a:rPr lang="ko-KR" altLang="en-US" sz="1000" dirty="0" smtClean="0"/>
+              <a:t>결제 정보</a:t>
             </a:r>
-            <a:r>
-              <a:rPr lang="ko-KR" altLang="en-US" dirty="0" smtClean="0"/>
-              <a:t> </a:t>
-            </a:r>
-            <a:endParaRPr lang="en-US" altLang="ko-KR" dirty="0" smtClean="0"/>
+            <a:endParaRPr lang="en-US" altLang="ko-KR" sz="1000" dirty="0" smtClean="0"/>
           </a:p>
           <a:p>
             <a:pPr algn="ctr"/>
             <a:r>
               <a:rPr lang="ko-KR" altLang="en-US" sz="1000" dirty="0" smtClean="0"/>
-              <a:t>정보 확인</a:t>
+              <a:t>작성</a:t>
             </a:r>
             <a:endParaRPr lang="ko-KR" altLang="en-US" sz="1000" dirty="0"/>
           </a:p>
@@ -8847,13 +9031,65 @@
       </p:sp>
       <p:sp>
         <p:nvSpPr>
-          <p:cNvPr id="12" name="순서도: 처리 11"/>
+          <p:cNvPr id="20" name="순서도: 판단 19"/>
           <p:cNvSpPr/>
           <p:nvPr/>
         </p:nvSpPr>
         <p:spPr>
           <a:xfrm>
-            <a:off x="7460498" y="3853810"/>
+            <a:off x="5890036" y="4654001"/>
+            <a:ext cx="1009997" cy="606829"/>
+          </a:xfrm>
+          <a:prstGeom prst="flowChartDecision">
+            <a:avLst/>
+          </a:prstGeom>
+        </p:spPr>
+        <p:style>
+          <a:lnRef idx="2">
+            <a:schemeClr val="accent1">
+              <a:shade val="50000"/>
+            </a:schemeClr>
+          </a:lnRef>
+          <a:fillRef idx="1">
+            <a:schemeClr val="accent1"/>
+          </a:fillRef>
+          <a:effectRef idx="0">
+            <a:schemeClr val="accent1"/>
+          </a:effectRef>
+          <a:fontRef idx="minor">
+            <a:schemeClr val="lt1"/>
+          </a:fontRef>
+        </p:style>
+        <p:txBody>
+          <a:bodyPr rtlCol="0" anchor="ctr"/>
+          <a:lstStyle/>
+          <a:p>
+            <a:pPr algn="ctr"/>
+            <a:r>
+              <a:rPr lang="ko-KR" altLang="en-US" sz="1000" dirty="0" smtClean="0"/>
+              <a:t>결제</a:t>
+            </a:r>
+            <a:endParaRPr lang="en-US" altLang="ko-KR" sz="1000" dirty="0" smtClean="0"/>
+          </a:p>
+          <a:p>
+            <a:pPr algn="ctr"/>
+            <a:r>
+              <a:rPr lang="ko-KR" altLang="en-US" sz="1000" dirty="0" smtClean="0"/>
+              <a:t>여부</a:t>
+            </a:r>
+            <a:endParaRPr lang="ko-KR" altLang="en-US" sz="1000" dirty="0"/>
+          </a:p>
+        </p:txBody>
+      </p:sp>
+      <p:sp>
+        <p:nvSpPr>
+          <p:cNvPr id="21" name="순서도: 처리 20"/>
+          <p:cNvSpPr/>
+          <p:nvPr/>
+        </p:nvSpPr>
+        <p:spPr>
+          <a:xfrm>
+            <a:off x="7269776" y="4741282"/>
             <a:ext cx="955964" cy="432265"/>
           </a:xfrm>
           <a:prstGeom prst="flowChartProcess">
@@ -8883,7 +9119,19 @@
             <a:pPr algn="ctr"/>
             <a:r>
               <a:rPr lang="ko-KR" altLang="en-US" sz="1000" dirty="0" smtClean="0"/>
-              <a:t>예약</a:t>
+              <a:t>결제</a:t>
+            </a:r>
+            <a:endParaRPr lang="en-US" altLang="ko-KR" sz="1000" dirty="0" smtClean="0"/>
+          </a:p>
+          <a:p>
+            <a:pPr algn="ctr"/>
+            <a:r>
+              <a:rPr lang="ko-KR" altLang="en-US" sz="1000" dirty="0" smtClean="0"/>
+              <a:t> </a:t>
+            </a:r>
+            <a:r>
+              <a:rPr lang="ko-KR" altLang="en-US" sz="1000" dirty="0" err="1" smtClean="0"/>
+              <a:t>취소버튼</a:t>
             </a:r>
             <a:endParaRPr lang="ko-KR" altLang="en-US" sz="1000" dirty="0"/>
           </a:p>
@@ -8891,13 +9139,13 @@
       </p:sp>
       <p:sp>
         <p:nvSpPr>
-          <p:cNvPr id="13" name="순서도: 처리 12"/>
+          <p:cNvPr id="22" name="순서도: 처리 21"/>
           <p:cNvSpPr/>
           <p:nvPr/>
         </p:nvSpPr>
         <p:spPr>
           <a:xfrm>
-            <a:off x="8901371" y="3111206"/>
+            <a:off x="5917053" y="5468125"/>
             <a:ext cx="955964" cy="432265"/>
           </a:xfrm>
           <a:prstGeom prst="flowChartProcess">
@@ -8927,73 +9175,21 @@
             <a:pPr algn="ctr"/>
             <a:r>
               <a:rPr lang="ko-KR" altLang="en-US" sz="1000" dirty="0" err="1" smtClean="0"/>
-              <a:t>예약취소</a:t>
+              <a:t>결제버튼</a:t>
             </a:r>
-            <a:endParaRPr lang="ko-KR" altLang="en-US" sz="1000" dirty="0"/>
+            <a:endParaRPr lang="en-US" altLang="ko-KR" sz="1000" dirty="0" smtClean="0"/>
           </a:p>
         </p:txBody>
       </p:sp>
       <p:sp>
         <p:nvSpPr>
-          <p:cNvPr id="14" name="순서도: 판단 13"/>
+          <p:cNvPr id="23" name="순서도: 데이터 22"/>
           <p:cNvSpPr/>
           <p:nvPr/>
         </p:nvSpPr>
         <p:spPr>
           <a:xfrm>
-            <a:off x="7433481" y="3031198"/>
-            <a:ext cx="1009997" cy="606829"/>
-          </a:xfrm>
-          <a:prstGeom prst="flowChartDecision">
-            <a:avLst/>
-          </a:prstGeom>
-        </p:spPr>
-        <p:style>
-          <a:lnRef idx="2">
-            <a:schemeClr val="accent1">
-              <a:shade val="50000"/>
-            </a:schemeClr>
-          </a:lnRef>
-          <a:fillRef idx="1">
-            <a:schemeClr val="accent1"/>
-          </a:fillRef>
-          <a:effectRef idx="0">
-            <a:schemeClr val="accent1"/>
-          </a:effectRef>
-          <a:fontRef idx="minor">
-            <a:schemeClr val="lt1"/>
-          </a:fontRef>
-        </p:style>
-        <p:txBody>
-          <a:bodyPr rtlCol="0" anchor="ctr"/>
-          <a:lstStyle/>
-          <a:p>
-            <a:pPr algn="ctr"/>
-            <a:r>
-              <a:rPr lang="ko-KR" altLang="en-US" sz="1000" dirty="0" smtClean="0"/>
-              <a:t>예약</a:t>
-            </a:r>
-            <a:endParaRPr lang="en-US" altLang="ko-KR" sz="1000" dirty="0" smtClean="0"/>
-          </a:p>
-          <a:p>
-            <a:pPr algn="ctr"/>
-            <a:r>
-              <a:rPr lang="ko-KR" altLang="en-US" sz="1000" dirty="0" smtClean="0"/>
-              <a:t>여부</a:t>
-            </a:r>
-            <a:endParaRPr lang="ko-KR" altLang="en-US" sz="1000" dirty="0"/>
-          </a:p>
-        </p:txBody>
-      </p:sp>
-      <p:sp>
-        <p:nvSpPr>
-          <p:cNvPr id="15" name="순서도: 데이터 14"/>
-          <p:cNvSpPr/>
-          <p:nvPr/>
-        </p:nvSpPr>
-        <p:spPr>
-          <a:xfrm>
-            <a:off x="5959876" y="3152771"/>
+            <a:off x="8595483" y="4782847"/>
             <a:ext cx="1088968" cy="349134"/>
           </a:xfrm>
           <a:prstGeom prst="flowChartInputOutput">
@@ -9022,380 +9218,8 @@
           <a:p>
             <a:pPr algn="ctr"/>
             <a:r>
-              <a:rPr lang="en-US" altLang="ko-KR" sz="1000" dirty="0" smtClean="0"/>
-              <a:t>Room </a:t>
-            </a:r>
-            <a:r>
               <a:rPr lang="ko-KR" altLang="en-US" sz="1000" dirty="0" smtClean="0"/>
-              <a:t>정보</a:t>
-            </a:r>
-            <a:endParaRPr lang="en-US" altLang="ko-KR" sz="1000" dirty="0" smtClean="0"/>
-          </a:p>
-          <a:p>
-            <a:pPr algn="ctr"/>
-            <a:r>
-              <a:rPr lang="ko-KR" altLang="en-US" sz="1000" dirty="0" smtClean="0"/>
-              <a:t>화면</a:t>
-            </a:r>
-            <a:endParaRPr lang="ko-KR" altLang="en-US" sz="1000" dirty="0"/>
-          </a:p>
-        </p:txBody>
-      </p:sp>
-      <p:sp>
-        <p:nvSpPr>
-          <p:cNvPr id="16" name="순서도: 처리 15"/>
-          <p:cNvSpPr/>
-          <p:nvPr/>
-        </p:nvSpPr>
-        <p:spPr>
-          <a:xfrm>
-            <a:off x="6026378" y="3859520"/>
-            <a:ext cx="955964" cy="432265"/>
-          </a:xfrm>
-          <a:prstGeom prst="flowChartProcess">
-            <a:avLst/>
-          </a:prstGeom>
-        </p:spPr>
-        <p:style>
-          <a:lnRef idx="2">
-            <a:schemeClr val="accent1">
-              <a:shade val="50000"/>
-            </a:schemeClr>
-          </a:lnRef>
-          <a:fillRef idx="1">
-            <a:schemeClr val="accent1"/>
-          </a:fillRef>
-          <a:effectRef idx="0">
-            <a:schemeClr val="accent1"/>
-          </a:effectRef>
-          <a:fontRef idx="minor">
-            <a:schemeClr val="lt1"/>
-          </a:fontRef>
-        </p:style>
-        <p:txBody>
-          <a:bodyPr rtlCol="0" anchor="ctr"/>
-          <a:lstStyle/>
-          <a:p>
-            <a:pPr algn="ctr"/>
-            <a:r>
-              <a:rPr lang="ko-KR" altLang="en-US" sz="1000" dirty="0" smtClean="0"/>
-              <a:t>예약 버튼 </a:t>
-            </a:r>
-            <a:endParaRPr lang="en-US" altLang="ko-KR" sz="1000" dirty="0" smtClean="0"/>
-          </a:p>
-          <a:p>
-            <a:pPr algn="ctr"/>
-            <a:r>
-              <a:rPr lang="ko-KR" altLang="en-US" sz="1000" dirty="0" smtClean="0"/>
-              <a:t>클릭</a:t>
-            </a:r>
-            <a:endParaRPr lang="ko-KR" altLang="en-US" sz="1000" dirty="0"/>
-          </a:p>
-        </p:txBody>
-      </p:sp>
-      <p:sp>
-        <p:nvSpPr>
-          <p:cNvPr id="17" name="순서도: 데이터 16"/>
-          <p:cNvSpPr/>
-          <p:nvPr/>
-        </p:nvSpPr>
-        <p:spPr>
-          <a:xfrm>
-            <a:off x="4540651" y="3895375"/>
-            <a:ext cx="1088968" cy="349134"/>
-          </a:xfrm>
-          <a:prstGeom prst="flowChartInputOutput">
-            <a:avLst/>
-          </a:prstGeom>
-        </p:spPr>
-        <p:style>
-          <a:lnRef idx="2">
-            <a:schemeClr val="accent1">
-              <a:shade val="50000"/>
-            </a:schemeClr>
-          </a:lnRef>
-          <a:fillRef idx="1">
-            <a:schemeClr val="accent1"/>
-          </a:fillRef>
-          <a:effectRef idx="0">
-            <a:schemeClr val="accent1"/>
-          </a:effectRef>
-          <a:fontRef idx="minor">
-            <a:schemeClr val="lt1"/>
-          </a:fontRef>
-        </p:style>
-        <p:txBody>
-          <a:bodyPr rtlCol="0" anchor="ctr"/>
-          <a:lstStyle/>
-          <a:p>
-            <a:pPr algn="ctr"/>
-            <a:r>
-              <a:rPr lang="ko-KR" altLang="en-US" sz="1000" dirty="0" smtClean="0"/>
-              <a:t>결제</a:t>
-            </a:r>
-            <a:endParaRPr lang="en-US" altLang="ko-KR" sz="1000" dirty="0" smtClean="0"/>
-          </a:p>
-          <a:p>
-            <a:pPr algn="ctr"/>
-            <a:r>
-              <a:rPr lang="ko-KR" altLang="en-US" sz="1000" dirty="0" smtClean="0"/>
-              <a:t>화면</a:t>
-            </a:r>
-            <a:endParaRPr lang="ko-KR" altLang="en-US" sz="1000" dirty="0"/>
-          </a:p>
-        </p:txBody>
-      </p:sp>
-      <p:sp>
-        <p:nvSpPr>
-          <p:cNvPr id="18" name="순서도: 처리 17"/>
-          <p:cNvSpPr/>
-          <p:nvPr/>
-        </p:nvSpPr>
-        <p:spPr>
-          <a:xfrm>
-            <a:off x="4607153" y="4556064"/>
-            <a:ext cx="955964" cy="432265"/>
-          </a:xfrm>
-          <a:prstGeom prst="flowChartProcess">
-            <a:avLst/>
-          </a:prstGeom>
-        </p:spPr>
-        <p:style>
-          <a:lnRef idx="2">
-            <a:schemeClr val="accent1">
-              <a:shade val="50000"/>
-            </a:schemeClr>
-          </a:lnRef>
-          <a:fillRef idx="1">
-            <a:schemeClr val="accent1"/>
-          </a:fillRef>
-          <a:effectRef idx="0">
-            <a:schemeClr val="accent1"/>
-          </a:effectRef>
-          <a:fontRef idx="minor">
-            <a:schemeClr val="lt1"/>
-          </a:fontRef>
-        </p:style>
-        <p:txBody>
-          <a:bodyPr rtlCol="0" anchor="ctr"/>
-          <a:lstStyle/>
-          <a:p>
-            <a:pPr algn="ctr"/>
-            <a:r>
-              <a:rPr lang="ko-KR" altLang="en-US" sz="1000" dirty="0" smtClean="0"/>
-              <a:t>결제 정보</a:t>
-            </a:r>
-            <a:endParaRPr lang="en-US" altLang="ko-KR" sz="1000" dirty="0" smtClean="0"/>
-          </a:p>
-          <a:p>
-            <a:pPr algn="ctr"/>
-            <a:r>
-              <a:rPr lang="ko-KR" altLang="en-US" sz="1000" dirty="0" smtClean="0"/>
-              <a:t>작성</a:t>
-            </a:r>
-            <a:endParaRPr lang="ko-KR" altLang="en-US" sz="1000" dirty="0"/>
-          </a:p>
-        </p:txBody>
-      </p:sp>
-      <p:sp>
-        <p:nvSpPr>
-          <p:cNvPr id="20" name="순서도: 판단 19"/>
-          <p:cNvSpPr/>
-          <p:nvPr/>
-        </p:nvSpPr>
-        <p:spPr>
-          <a:xfrm>
-            <a:off x="4580136" y="5195624"/>
-            <a:ext cx="1009997" cy="606829"/>
-          </a:xfrm>
-          <a:prstGeom prst="flowChartDecision">
-            <a:avLst/>
-          </a:prstGeom>
-        </p:spPr>
-        <p:style>
-          <a:lnRef idx="2">
-            <a:schemeClr val="accent1">
-              <a:shade val="50000"/>
-            </a:schemeClr>
-          </a:lnRef>
-          <a:fillRef idx="1">
-            <a:schemeClr val="accent1"/>
-          </a:fillRef>
-          <a:effectRef idx="0">
-            <a:schemeClr val="accent1"/>
-          </a:effectRef>
-          <a:fontRef idx="minor">
-            <a:schemeClr val="lt1"/>
-          </a:fontRef>
-        </p:style>
-        <p:txBody>
-          <a:bodyPr rtlCol="0" anchor="ctr"/>
-          <a:lstStyle/>
-          <a:p>
-            <a:pPr algn="ctr"/>
-            <a:r>
-              <a:rPr lang="ko-KR" altLang="en-US" sz="1000" dirty="0" smtClean="0"/>
-              <a:t>결제</a:t>
-            </a:r>
-            <a:endParaRPr lang="en-US" altLang="ko-KR" sz="1000" dirty="0" smtClean="0"/>
-          </a:p>
-          <a:p>
-            <a:pPr algn="ctr"/>
-            <a:r>
-              <a:rPr lang="ko-KR" altLang="en-US" sz="1000" dirty="0" smtClean="0"/>
-              <a:t>여부</a:t>
-            </a:r>
-            <a:endParaRPr lang="ko-KR" altLang="en-US" sz="1000" dirty="0"/>
-          </a:p>
-        </p:txBody>
-      </p:sp>
-      <p:sp>
-        <p:nvSpPr>
-          <p:cNvPr id="21" name="순서도: 처리 20"/>
-          <p:cNvSpPr/>
-          <p:nvPr/>
-        </p:nvSpPr>
-        <p:spPr>
-          <a:xfrm>
-            <a:off x="5959876" y="5282905"/>
-            <a:ext cx="955964" cy="432265"/>
-          </a:xfrm>
-          <a:prstGeom prst="flowChartProcess">
-            <a:avLst/>
-          </a:prstGeom>
-        </p:spPr>
-        <p:style>
-          <a:lnRef idx="2">
-            <a:schemeClr val="accent1">
-              <a:shade val="50000"/>
-            </a:schemeClr>
-          </a:lnRef>
-          <a:fillRef idx="1">
-            <a:schemeClr val="accent1"/>
-          </a:fillRef>
-          <a:effectRef idx="0">
-            <a:schemeClr val="accent1"/>
-          </a:effectRef>
-          <a:fontRef idx="minor">
-            <a:schemeClr val="lt1"/>
-          </a:fontRef>
-        </p:style>
-        <p:txBody>
-          <a:bodyPr rtlCol="0" anchor="ctr"/>
-          <a:lstStyle/>
-          <a:p>
-            <a:pPr algn="ctr"/>
-            <a:r>
-              <a:rPr lang="ko-KR" altLang="en-US" sz="1000" dirty="0" smtClean="0"/>
-              <a:t>결제</a:t>
-            </a:r>
-            <a:endParaRPr lang="en-US" altLang="ko-KR" sz="1000" dirty="0" smtClean="0"/>
-          </a:p>
-          <a:p>
-            <a:pPr algn="ctr"/>
-            <a:r>
-              <a:rPr lang="ko-KR" altLang="en-US" sz="1000" dirty="0" smtClean="0"/>
-              <a:t> </a:t>
-            </a:r>
-            <a:r>
-              <a:rPr lang="ko-KR" altLang="en-US" sz="1000" dirty="0" err="1" smtClean="0"/>
-              <a:t>취소버튼</a:t>
-            </a:r>
-            <a:endParaRPr lang="ko-KR" altLang="en-US" sz="1000" dirty="0"/>
-          </a:p>
-        </p:txBody>
-      </p:sp>
-      <p:sp>
-        <p:nvSpPr>
-          <p:cNvPr id="22" name="순서도: 처리 21"/>
-          <p:cNvSpPr/>
-          <p:nvPr/>
-        </p:nvSpPr>
-        <p:spPr>
-          <a:xfrm>
-            <a:off x="4607153" y="6009748"/>
-            <a:ext cx="955964" cy="432265"/>
-          </a:xfrm>
-          <a:prstGeom prst="flowChartProcess">
-            <a:avLst/>
-          </a:prstGeom>
-        </p:spPr>
-        <p:style>
-          <a:lnRef idx="2">
-            <a:schemeClr val="accent1">
-              <a:shade val="50000"/>
-            </a:schemeClr>
-          </a:lnRef>
-          <a:fillRef idx="1">
-            <a:schemeClr val="accent1"/>
-          </a:fillRef>
-          <a:effectRef idx="0">
-            <a:schemeClr val="accent1"/>
-          </a:effectRef>
-          <a:fontRef idx="minor">
-            <a:schemeClr val="lt1"/>
-          </a:fontRef>
-        </p:style>
-        <p:txBody>
-          <a:bodyPr rtlCol="0" anchor="ctr"/>
-          <a:lstStyle/>
-          <a:p>
-            <a:pPr algn="ctr"/>
-            <a:r>
-              <a:rPr lang="ko-KR" altLang="en-US" sz="1000" dirty="0" err="1" smtClean="0"/>
-              <a:t>결제버튼</a:t>
-            </a:r>
-            <a:endParaRPr lang="en-US" altLang="ko-KR" sz="1000" dirty="0" smtClean="0"/>
-          </a:p>
-        </p:txBody>
-      </p:sp>
-      <p:sp>
-        <p:nvSpPr>
-          <p:cNvPr id="23" name="순서도: 데이터 22"/>
-          <p:cNvSpPr/>
-          <p:nvPr/>
-        </p:nvSpPr>
-        <p:spPr>
-          <a:xfrm>
-            <a:off x="7285583" y="5324470"/>
-            <a:ext cx="1088968" cy="349134"/>
-          </a:xfrm>
-          <a:prstGeom prst="flowChartInputOutput">
-            <a:avLst/>
-          </a:prstGeom>
-        </p:spPr>
-        <p:style>
-          <a:lnRef idx="2">
-            <a:schemeClr val="accent1">
-              <a:shade val="50000"/>
-            </a:schemeClr>
-          </a:lnRef>
-          <a:fillRef idx="1">
-            <a:schemeClr val="accent1"/>
-          </a:fillRef>
-          <a:effectRef idx="0">
-            <a:schemeClr val="accent1"/>
-          </a:effectRef>
-          <a:fontRef idx="minor">
-            <a:schemeClr val="lt1"/>
-          </a:fontRef>
-        </p:style>
-        <p:txBody>
-          <a:bodyPr rtlCol="0" anchor="ctr"/>
-          <a:lstStyle/>
-          <a:p>
-            <a:pPr algn="ctr"/>
-            <a:r>
-              <a:rPr lang="ko-KR" altLang="en-US" sz="1000" dirty="0" smtClean="0"/>
-              <a:t>결제</a:t>
-            </a:r>
-            <a:endParaRPr lang="en-US" altLang="ko-KR" sz="1000" dirty="0" smtClean="0"/>
-          </a:p>
-          <a:p>
-            <a:pPr algn="ctr"/>
-            <a:r>
-              <a:rPr lang="ko-KR" altLang="en-US" sz="1000" dirty="0" smtClean="0"/>
-              <a:t>취소</a:t>
+              <a:t>메인</a:t>
             </a:r>
             <a:endParaRPr lang="en-US" altLang="ko-KR" sz="1000" dirty="0" smtClean="0"/>
           </a:p>
@@ -9417,7 +9241,7 @@
         </p:nvSpPr>
         <p:spPr>
           <a:xfrm>
-            <a:off x="5959876" y="6051313"/>
+            <a:off x="7269776" y="5509690"/>
             <a:ext cx="1088968" cy="349134"/>
           </a:xfrm>
           <a:prstGeom prst="flowChartInputOutput">
@@ -9618,50 +9442,14 @@
           <p:cNvPr id="38" name="직선 화살표 연결선 37"/>
           <p:cNvCxnSpPr>
             <a:stCxn id="7" idx="2"/>
-            <a:endCxn id="8" idx="1"/>
+            <a:endCxn id="9" idx="0"/>
           </p:cNvCxnSpPr>
           <p:nvPr/>
         </p:nvCxnSpPr>
         <p:spPr>
           <a:xfrm>
             <a:off x="7938480" y="1398790"/>
-            <a:ext cx="0" cy="310339"/>
-          </a:xfrm>
-          <a:prstGeom prst="straightConnector1">
-            <a:avLst/>
-          </a:prstGeom>
-          <a:ln>
-            <a:tailEnd type="triangle"/>
-          </a:ln>
-        </p:spPr>
-        <p:style>
-          <a:lnRef idx="1">
-            <a:schemeClr val="accent1"/>
-          </a:lnRef>
-          <a:fillRef idx="0">
-            <a:schemeClr val="accent1"/>
-          </a:fillRef>
-          <a:effectRef idx="0">
-            <a:schemeClr val="accent1"/>
-          </a:effectRef>
-          <a:fontRef idx="minor">
-            <a:schemeClr val="tx1"/>
-          </a:fontRef>
-        </p:style>
-      </p:cxnSp>
-      <p:cxnSp>
-        <p:nvCxnSpPr>
-          <p:cNvPr id="40" name="직선 화살표 연결선 39"/>
-          <p:cNvCxnSpPr>
-            <a:stCxn id="8" idx="4"/>
-            <a:endCxn id="9" idx="0"/>
-          </p:cNvCxnSpPr>
-          <p:nvPr/>
-        </p:nvCxnSpPr>
-        <p:spPr>
-          <a:xfrm>
-            <a:off x="7938480" y="2058263"/>
-            <a:ext cx="0" cy="310339"/>
+            <a:ext cx="15552" cy="426193"/>
           </a:xfrm>
           <a:prstGeom prst="straightConnector1">
             <a:avLst/>
@@ -9696,7 +9484,7 @@
         </p:nvCxnSpPr>
         <p:spPr>
           <a:xfrm>
-            <a:off x="7938480" y="2800867"/>
+            <a:off x="7954032" y="2257248"/>
             <a:ext cx="0" cy="230331"/>
           </a:xfrm>
           <a:prstGeom prst="straightConnector1">
@@ -9732,7 +9520,7 @@
         </p:nvCxnSpPr>
         <p:spPr>
           <a:xfrm flipV="1">
-            <a:off x="8443478" y="3327339"/>
+            <a:off x="8459030" y="2783720"/>
             <a:ext cx="457893" cy="7274"/>
           </a:xfrm>
           <a:prstGeom prst="straightConnector1">
@@ -9768,7 +9556,7 @@
         </p:nvCxnSpPr>
         <p:spPr>
           <a:xfrm>
-            <a:off x="7938480" y="3638027"/>
+            <a:off x="7954032" y="3094408"/>
             <a:ext cx="0" cy="215783"/>
           </a:xfrm>
           <a:prstGeom prst="straightConnector1">
@@ -9795,89 +9583,17 @@
       </p:cxnSp>
       <p:cxnSp>
         <p:nvCxnSpPr>
-          <p:cNvPr id="49" name="직선 화살표 연결선 48"/>
+          <p:cNvPr id="53" name="직선 화살표 연결선 52"/>
           <p:cNvCxnSpPr>
             <a:stCxn id="12" idx="1"/>
-            <a:endCxn id="15" idx="5"/>
-          </p:cNvCxnSpPr>
-          <p:nvPr/>
-        </p:nvCxnSpPr>
-        <p:spPr>
-          <a:xfrm flipH="1" flipV="1">
-            <a:off x="6939947" y="3327338"/>
-            <a:ext cx="520551" cy="742605"/>
-          </a:xfrm>
-          <a:prstGeom prst="straightConnector1">
-            <a:avLst/>
-          </a:prstGeom>
-          <a:ln>
-            <a:tailEnd type="triangle"/>
-          </a:ln>
-        </p:spPr>
-        <p:style>
-          <a:lnRef idx="1">
-            <a:schemeClr val="accent1"/>
-          </a:lnRef>
-          <a:fillRef idx="0">
-            <a:schemeClr val="accent1"/>
-          </a:fillRef>
-          <a:effectRef idx="0">
-            <a:schemeClr val="accent1"/>
-          </a:effectRef>
-          <a:fontRef idx="minor">
-            <a:schemeClr val="tx1"/>
-          </a:fontRef>
-        </p:style>
-      </p:cxnSp>
-      <p:cxnSp>
-        <p:nvCxnSpPr>
-          <p:cNvPr id="51" name="직선 화살표 연결선 50"/>
-          <p:cNvCxnSpPr>
-            <a:stCxn id="15" idx="4"/>
-            <a:endCxn id="16" idx="0"/>
-          </p:cNvCxnSpPr>
-          <p:nvPr/>
-        </p:nvCxnSpPr>
-        <p:spPr>
-          <a:xfrm>
-            <a:off x="6504360" y="3501905"/>
-            <a:ext cx="0" cy="357615"/>
-          </a:xfrm>
-          <a:prstGeom prst="straightConnector1">
-            <a:avLst/>
-          </a:prstGeom>
-          <a:ln>
-            <a:tailEnd type="triangle"/>
-          </a:ln>
-        </p:spPr>
-        <p:style>
-          <a:lnRef idx="1">
-            <a:schemeClr val="accent1"/>
-          </a:lnRef>
-          <a:fillRef idx="0">
-            <a:schemeClr val="accent1"/>
-          </a:fillRef>
-          <a:effectRef idx="0">
-            <a:schemeClr val="accent1"/>
-          </a:effectRef>
-          <a:fontRef idx="minor">
-            <a:schemeClr val="tx1"/>
-          </a:fontRef>
-        </p:style>
-      </p:cxnSp>
-      <p:cxnSp>
-        <p:nvCxnSpPr>
-          <p:cNvPr id="53" name="직선 화살표 연결선 52"/>
-          <p:cNvCxnSpPr>
-            <a:stCxn id="16" idx="1"/>
             <a:endCxn id="17" idx="5"/>
           </p:cNvCxnSpPr>
           <p:nvPr/>
         </p:nvCxnSpPr>
         <p:spPr>
-          <a:xfrm flipH="1" flipV="1">
-            <a:off x="5520722" y="4069942"/>
-            <a:ext cx="505656" cy="5711"/>
+          <a:xfrm flipH="1">
+            <a:off x="6830622" y="3526324"/>
+            <a:ext cx="645428" cy="1995"/>
           </a:xfrm>
           <a:prstGeom prst="straightConnector1">
             <a:avLst/>
@@ -9912,7 +9628,7 @@
         </p:nvCxnSpPr>
         <p:spPr>
           <a:xfrm>
-            <a:off x="5085135" y="4244509"/>
+            <a:off x="6395035" y="3702886"/>
             <a:ext cx="0" cy="311555"/>
           </a:xfrm>
           <a:prstGeom prst="straightConnector1">
@@ -9948,7 +9664,7 @@
         </p:nvCxnSpPr>
         <p:spPr>
           <a:xfrm>
-            <a:off x="5085135" y="4988329"/>
+            <a:off x="6395035" y="4446706"/>
             <a:ext cx="0" cy="207295"/>
           </a:xfrm>
           <a:prstGeom prst="straightConnector1">
@@ -9984,7 +9700,7 @@
         </p:nvCxnSpPr>
         <p:spPr>
           <a:xfrm flipV="1">
-            <a:off x="5590133" y="5499038"/>
+            <a:off x="6900033" y="4957415"/>
             <a:ext cx="369743" cy="1"/>
           </a:xfrm>
           <a:prstGeom prst="straightConnector1">
@@ -10020,7 +9736,7 @@
         </p:nvCxnSpPr>
         <p:spPr>
           <a:xfrm>
-            <a:off x="5085135" y="5802453"/>
+            <a:off x="6395035" y="5260830"/>
             <a:ext cx="0" cy="207295"/>
           </a:xfrm>
           <a:prstGeom prst="straightConnector1">
@@ -10056,7 +9772,7 @@
         </p:nvCxnSpPr>
         <p:spPr>
           <a:xfrm flipV="1">
-            <a:off x="5563117" y="6225880"/>
+            <a:off x="6873017" y="5684257"/>
             <a:ext cx="505656" cy="1"/>
           </a:xfrm>
           <a:prstGeom prst="straightConnector1">
@@ -10092,7 +9808,7 @@
         </p:nvCxnSpPr>
         <p:spPr>
           <a:xfrm flipV="1">
-            <a:off x="6915840" y="5499037"/>
+            <a:off x="8225740" y="4957414"/>
             <a:ext cx="478640" cy="1"/>
           </a:xfrm>
           <a:prstGeom prst="straightConnector1">
@@ -10125,7 +9841,7 @@
         </p:nvSpPr>
         <p:spPr>
           <a:xfrm>
-            <a:off x="10247858" y="3146010"/>
+            <a:off x="10263410" y="2602391"/>
             <a:ext cx="1088968" cy="349134"/>
           </a:xfrm>
           <a:prstGeom prst="flowChartInputOutput">
@@ -10155,15 +9871,7 @@
             <a:pPr algn="ctr"/>
             <a:r>
               <a:rPr lang="ko-KR" altLang="en-US" sz="1000" dirty="0" smtClean="0"/>
-              <a:t>예약</a:t>
-            </a:r>
-            <a:endParaRPr lang="en-US" altLang="ko-KR" sz="1000" dirty="0" smtClean="0"/>
-          </a:p>
-          <a:p>
-            <a:pPr algn="ctr"/>
-            <a:r>
-              <a:rPr lang="ko-KR" altLang="en-US" sz="1000" dirty="0" smtClean="0"/>
-              <a:t>취소</a:t>
+              <a:t>메인</a:t>
             </a:r>
             <a:endParaRPr lang="en-US" altLang="ko-KR" sz="1000" dirty="0" smtClean="0"/>
           </a:p>
@@ -10188,7 +9896,7 @@
         </p:nvCxnSpPr>
         <p:spPr>
           <a:xfrm flipV="1">
-            <a:off x="9857335" y="3320577"/>
+            <a:off x="9872887" y="2776958"/>
             <a:ext cx="499420" cy="6762"/>
           </a:xfrm>
           <a:prstGeom prst="straightConnector1">
@@ -10281,7 +9989,7 @@
         </p:nvSpPr>
         <p:spPr>
           <a:xfrm>
-            <a:off x="7954032" y="3585346"/>
+            <a:off x="7969584" y="3041727"/>
             <a:ext cx="750311" cy="253916"/>
           </a:xfrm>
           <a:prstGeom prst="rect">
@@ -10311,7 +10019,7 @@
         </p:nvSpPr>
         <p:spPr>
           <a:xfrm>
-            <a:off x="8440569" y="3089307"/>
+            <a:off x="8456121" y="2545688"/>
             <a:ext cx="750311" cy="253916"/>
           </a:xfrm>
           <a:prstGeom prst="rect">
@@ -10341,7 +10049,7 @@
         </p:nvSpPr>
         <p:spPr>
           <a:xfrm>
-            <a:off x="5574042" y="5242900"/>
+            <a:off x="6883942" y="4701277"/>
             <a:ext cx="750311" cy="253916"/>
           </a:xfrm>
           <a:prstGeom prst="rect">
@@ -10371,7 +10079,7 @@
         </p:nvSpPr>
         <p:spPr>
           <a:xfrm>
-            <a:off x="5085134" y="5774702"/>
+            <a:off x="6395034" y="5233079"/>
             <a:ext cx="750311" cy="253916"/>
           </a:xfrm>
           <a:prstGeom prst="rect">
@@ -10439,7 +10147,7 @@
           <p:nvPr>
             <p:extLst>
               <p:ext uri="{D42A27DB-BD31-4B8C-83A1-F6EECF244321}">
-                <p14:modId xmlns:p14="http://schemas.microsoft.com/office/powerpoint/2010/main" val="3036505804"/>
+                <p14:modId xmlns:p14="http://schemas.microsoft.com/office/powerpoint/2010/main" val="2166894238"/>
               </p:ext>
             </p:extLst>
           </p:nvPr>
@@ -12290,8 +11998,12 @@
                     <a:p>
                       <a:pPr algn="ctr" latinLnBrk="1"/>
                       <a:r>
-                        <a:rPr lang="ko-KR" altLang="en-US" sz="2000" b="1" dirty="0" err="1" smtClean="0"/>
-                        <a:t>마이페이지</a:t>
+                        <a:rPr lang="en-US" altLang="ko-KR" sz="2000" b="1" dirty="0" smtClean="0"/>
+                        <a:t>My</a:t>
+                      </a:r>
+                      <a:r>
+                        <a:rPr lang="en-US" altLang="ko-KR" sz="2000" b="1" baseline="0" dirty="0" smtClean="0"/>
+                        <a:t> Page</a:t>
                       </a:r>
                       <a:endParaRPr lang="ko-KR" altLang="en-US" sz="2000" b="1" dirty="0"/>
                     </a:p>
